--- a/docs/diagrams/StorageComponentClassDiagram.pptx
+++ b/docs/diagrams/StorageComponentClassDiagram.pptx
@@ -208,7 +208,7 @@
           <a:p>
             <a:fld id="{F5CC4B3F-88C1-4FFA-B1B6-F41C21DC6924}" type="datetimeFigureOut">
               <a:rPr lang="en-US" smtClean="0"/>
-              <a:t>2/26/2019</a:t>
+              <a:t>4/1/2019</a:t>
             </a:fld>
             <a:endParaRPr lang="en-US"/>
           </a:p>
@@ -654,7 +654,7 @@
           <a:p>
             <a:fld id="{78C97017-6FC3-485B-9764-EAC9E56C1D49}" type="datetimeFigureOut">
               <a:rPr lang="en-US" smtClean="0"/>
-              <a:t>2/26/2019</a:t>
+              <a:t>4/1/2019</a:t>
             </a:fld>
             <a:endParaRPr lang="en-US"/>
           </a:p>
@@ -822,7 +822,7 @@
           <a:p>
             <a:fld id="{78C97017-6FC3-485B-9764-EAC9E56C1D49}" type="datetimeFigureOut">
               <a:rPr lang="en-US" smtClean="0"/>
-              <a:t>2/26/2019</a:t>
+              <a:t>4/1/2019</a:t>
             </a:fld>
             <a:endParaRPr lang="en-US"/>
           </a:p>
@@ -1000,7 +1000,7 @@
           <a:p>
             <a:fld id="{78C97017-6FC3-485B-9764-EAC9E56C1D49}" type="datetimeFigureOut">
               <a:rPr lang="en-US" smtClean="0"/>
-              <a:t>2/26/2019</a:t>
+              <a:t>4/1/2019</a:t>
             </a:fld>
             <a:endParaRPr lang="en-US"/>
           </a:p>
@@ -1168,7 +1168,7 @@
           <a:p>
             <a:fld id="{78C97017-6FC3-485B-9764-EAC9E56C1D49}" type="datetimeFigureOut">
               <a:rPr lang="en-US" smtClean="0"/>
-              <a:t>2/26/2019</a:t>
+              <a:t>4/1/2019</a:t>
             </a:fld>
             <a:endParaRPr lang="en-US"/>
           </a:p>
@@ -1413,7 +1413,7 @@
           <a:p>
             <a:fld id="{78C97017-6FC3-485B-9764-EAC9E56C1D49}" type="datetimeFigureOut">
               <a:rPr lang="en-US" smtClean="0"/>
-              <a:t>2/26/2019</a:t>
+              <a:t>4/1/2019</a:t>
             </a:fld>
             <a:endParaRPr lang="en-US"/>
           </a:p>
@@ -1698,7 +1698,7 @@
           <a:p>
             <a:fld id="{78C97017-6FC3-485B-9764-EAC9E56C1D49}" type="datetimeFigureOut">
               <a:rPr lang="en-US" smtClean="0"/>
-              <a:t>2/26/2019</a:t>
+              <a:t>4/1/2019</a:t>
             </a:fld>
             <a:endParaRPr lang="en-US"/>
           </a:p>
@@ -2117,7 +2117,7 @@
           <a:p>
             <a:fld id="{78C97017-6FC3-485B-9764-EAC9E56C1D49}" type="datetimeFigureOut">
               <a:rPr lang="en-US" smtClean="0"/>
-              <a:t>2/26/2019</a:t>
+              <a:t>4/1/2019</a:t>
             </a:fld>
             <a:endParaRPr lang="en-US"/>
           </a:p>
@@ -2234,7 +2234,7 @@
           <a:p>
             <a:fld id="{78C97017-6FC3-485B-9764-EAC9E56C1D49}" type="datetimeFigureOut">
               <a:rPr lang="en-US" smtClean="0"/>
-              <a:t>2/26/2019</a:t>
+              <a:t>4/1/2019</a:t>
             </a:fld>
             <a:endParaRPr lang="en-US"/>
           </a:p>
@@ -2329,7 +2329,7 @@
           <a:p>
             <a:fld id="{78C97017-6FC3-485B-9764-EAC9E56C1D49}" type="datetimeFigureOut">
               <a:rPr lang="en-US" smtClean="0"/>
-              <a:t>2/26/2019</a:t>
+              <a:t>4/1/2019</a:t>
             </a:fld>
             <a:endParaRPr lang="en-US"/>
           </a:p>
@@ -2604,7 +2604,7 @@
           <a:p>
             <a:fld id="{78C97017-6FC3-485B-9764-EAC9E56C1D49}" type="datetimeFigureOut">
               <a:rPr lang="en-US" smtClean="0"/>
-              <a:t>2/26/2019</a:t>
+              <a:t>4/1/2019</a:t>
             </a:fld>
             <a:endParaRPr lang="en-US"/>
           </a:p>
@@ -2856,7 +2856,7 @@
           <a:p>
             <a:fld id="{78C97017-6FC3-485B-9764-EAC9E56C1D49}" type="datetimeFigureOut">
               <a:rPr lang="en-US" smtClean="0"/>
-              <a:t>2/26/2019</a:t>
+              <a:t>4/1/2019</a:t>
             </a:fld>
             <a:endParaRPr lang="en-US"/>
           </a:p>
@@ -3067,7 +3067,7 @@
           <a:p>
             <a:fld id="{78C97017-6FC3-485B-9764-EAC9E56C1D49}" type="datetimeFigureOut">
               <a:rPr lang="en-US" smtClean="0"/>
-              <a:t>2/26/2019</a:t>
+              <a:t>4/1/2019</a:t>
             </a:fld>
             <a:endParaRPr lang="en-US"/>
           </a:p>
@@ -3444,10 +3444,10 @@
       </p:grpSpPr>
       <p:grpSp>
         <p:nvGrpSpPr>
-          <p:cNvPr id="3" name="Group 2">
+          <p:cNvPr id="89" name="Group 88">
             <a:extLst>
               <a:ext uri="{FF2B5EF4-FFF2-40B4-BE49-F238E27FC236}">
-                <a16:creationId xmlns:a16="http://schemas.microsoft.com/office/drawing/2014/main" id="{B9A02348-2CEE-40C6-A6E2-62103B246804}"/>
+                <a16:creationId xmlns:a16="http://schemas.microsoft.com/office/drawing/2014/main" id="{D0390CE2-E95C-4CD7-9EBF-FB624841AB3A}"/>
               </a:ext>
             </a:extLst>
           </p:cNvPr>
@@ -3456,10 +3456,10 @@
         </p:nvGrpSpPr>
         <p:grpSpPr>
           <a:xfrm>
-            <a:off x="2434092" y="2086382"/>
-            <a:ext cx="8081509" cy="1723618"/>
-            <a:chOff x="910091" y="2086382"/>
-            <a:chExt cx="8081509" cy="1723618"/>
+            <a:off x="2387963" y="2086382"/>
+            <a:ext cx="5155838" cy="3930558"/>
+            <a:chOff x="2387963" y="2086382"/>
+            <a:chExt cx="5155838" cy="3930558"/>
           </a:xfrm>
         </p:grpSpPr>
         <p:sp>
@@ -3470,8 +3470,8 @@
           </p:nvSpPr>
           <p:spPr>
             <a:xfrm>
-              <a:off x="1119865" y="2086382"/>
-              <a:ext cx="7871735" cy="1723618"/>
+              <a:off x="2643867" y="2086382"/>
+              <a:ext cx="4899934" cy="3930558"/>
             </a:xfrm>
             <a:prstGeom prst="roundRect">
               <a:avLst>
@@ -3535,7 +3535,7 @@
           </p:nvSpPr>
           <p:spPr>
             <a:xfrm>
-              <a:off x="2877180" y="3158440"/>
+              <a:off x="4355052" y="3105763"/>
               <a:ext cx="1323049" cy="346760"/>
             </a:xfrm>
             <a:prstGeom prst="rect">
@@ -3613,7 +3613,7 @@
           </p:nvSpPr>
           <p:spPr>
             <a:xfrm rot="16200000">
-              <a:off x="1683963" y="2868687"/>
+              <a:off x="3161835" y="2816010"/>
               <a:ext cx="1093635" cy="346760"/>
             </a:xfrm>
             <a:prstGeom prst="rect">
@@ -3676,7 +3676,7 @@
           </p:nvSpPr>
           <p:spPr>
             <a:xfrm rot="16200000">
-              <a:off x="956202" y="2861202"/>
+              <a:off x="2434074" y="2808525"/>
               <a:ext cx="1093635" cy="346760"/>
             </a:xfrm>
             <a:prstGeom prst="rect">
@@ -3750,7 +3750,7 @@
           </p:nvSpPr>
           <p:spPr>
             <a:xfrm rot="16200000">
-              <a:off x="1626910" y="2952291"/>
+              <a:off x="3104782" y="2899614"/>
               <a:ext cx="270504" cy="175523"/>
             </a:xfrm>
             <a:prstGeom prst="triangle">
@@ -3808,7 +3808,7 @@
           </p:nvCxnSpPr>
           <p:spPr>
             <a:xfrm>
-              <a:off x="2656370" y="3326536"/>
+              <a:off x="4134242" y="3273859"/>
               <a:ext cx="220810" cy="5284"/>
             </a:xfrm>
             <a:prstGeom prst="straightConnector1">
@@ -3848,7 +3848,7 @@
           </p:nvCxnSpPr>
           <p:spPr>
             <a:xfrm>
-              <a:off x="910091" y="3040053"/>
+              <a:off x="2387963" y="2987376"/>
               <a:ext cx="419548" cy="2860"/>
             </a:xfrm>
             <a:prstGeom prst="bentConnector3">
@@ -3893,7 +3893,7 @@
           </p:nvCxnSpPr>
           <p:spPr>
             <a:xfrm flipV="1">
-              <a:off x="1849924" y="3040052"/>
+              <a:off x="3327796" y="2987375"/>
               <a:ext cx="216105" cy="1"/>
             </a:xfrm>
             <a:prstGeom prst="line">
@@ -3934,7 +3934,7 @@
           </p:nvSpPr>
           <p:spPr>
             <a:xfrm>
-              <a:off x="2420322" y="3239846"/>
+              <a:off x="3898194" y="3187169"/>
               <a:ext cx="236048" cy="173380"/>
             </a:xfrm>
             <a:prstGeom prst="flowChartDecision">
@@ -3988,7 +3988,7 @@
           </p:nvCxnSpPr>
           <p:spPr>
             <a:xfrm flipV="1">
-              <a:off x="4398041" y="3331820"/>
+              <a:off x="5875913" y="3279143"/>
               <a:ext cx="223324" cy="1"/>
             </a:xfrm>
             <a:prstGeom prst="bentConnector3">
@@ -4031,7 +4031,7 @@
           </p:nvSpPr>
           <p:spPr>
             <a:xfrm rot="5400000" flipV="1">
-              <a:off x="4175027" y="3244059"/>
+              <a:off x="5652899" y="3191382"/>
               <a:ext cx="270504" cy="175523"/>
             </a:xfrm>
             <a:prstGeom prst="triangle">
@@ -4082,15 +4082,16 @@
           <p:nvCxnSpPr>
             <p:cNvPr id="124" name="Elbow Connector 122"/>
             <p:cNvCxnSpPr>
-              <a:stCxn id="50" idx="3"/>
-              <a:endCxn id="66" idx="1"/>
+              <a:cxnSpLocks/>
+              <a:stCxn id="50" idx="2"/>
+              <a:endCxn id="66" idx="0"/>
             </p:cNvCxnSpPr>
             <p:nvPr/>
           </p:nvCxnSpPr>
           <p:spPr>
-            <a:xfrm>
-              <a:off x="5791200" y="3331820"/>
-              <a:ext cx="228600" cy="1970"/>
+            <a:xfrm rot="5400000">
+              <a:off x="5750187" y="2776297"/>
+              <a:ext cx="257743" cy="1610195"/>
             </a:xfrm>
             <a:prstGeom prst="bentConnector3">
               <a:avLst>
@@ -4132,7 +4133,7 @@
           </p:nvSpPr>
           <p:spPr>
             <a:xfrm>
-              <a:off x="4621365" y="3158440"/>
+              <a:off x="6099237" y="3105763"/>
               <a:ext cx="1169835" cy="346760"/>
             </a:xfrm>
             <a:prstGeom prst="rect">
@@ -4207,7 +4208,7 @@
           </p:nvSpPr>
           <p:spPr>
             <a:xfrm>
-              <a:off x="2873943" y="2558040"/>
+              <a:off x="4351815" y="2505363"/>
               <a:ext cx="1323049" cy="346760"/>
             </a:xfrm>
             <a:prstGeom prst="rect">
@@ -4288,7 +4289,7 @@
           </p:nvCxnSpPr>
           <p:spPr>
             <a:xfrm>
-              <a:off x="2653133" y="2726136"/>
+              <a:off x="4131005" y="2673459"/>
               <a:ext cx="220810" cy="5284"/>
             </a:xfrm>
             <a:prstGeom prst="straightConnector1">
@@ -4328,7 +4329,7 @@
           </p:nvSpPr>
           <p:spPr>
             <a:xfrm>
-              <a:off x="2417085" y="2639446"/>
+              <a:off x="3894957" y="2586769"/>
               <a:ext cx="236048" cy="173380"/>
             </a:xfrm>
             <a:prstGeom prst="flowChartDecision">
@@ -4382,7 +4383,7 @@
           </p:nvCxnSpPr>
           <p:spPr>
             <a:xfrm flipV="1">
-              <a:off x="4394804" y="2731420"/>
+              <a:off x="5872676" y="2678743"/>
               <a:ext cx="223324" cy="1"/>
             </a:xfrm>
             <a:prstGeom prst="bentConnector3">
@@ -4425,7 +4426,7 @@
           </p:nvSpPr>
           <p:spPr>
             <a:xfrm rot="5400000" flipV="1">
-              <a:off x="4171790" y="2643659"/>
+              <a:off x="5649662" y="2590982"/>
               <a:ext cx="270504" cy="175523"/>
             </a:xfrm>
             <a:prstGeom prst="triangle">
@@ -4480,7 +4481,7 @@
           </p:nvSpPr>
           <p:spPr>
             <a:xfrm>
-              <a:off x="4618128" y="2558040"/>
+              <a:off x="6096000" y="2505363"/>
               <a:ext cx="1093635" cy="346760"/>
             </a:xfrm>
             <a:prstGeom prst="rect">
@@ -4558,7 +4559,7 @@
           </p:nvSpPr>
           <p:spPr>
             <a:xfrm>
-              <a:off x="6019800" y="3160410"/>
+              <a:off x="4473606" y="3710266"/>
               <a:ext cx="1200707" cy="346760"/>
             </a:xfrm>
             <a:prstGeom prst="rect">
@@ -4625,48 +4626,6 @@
             </a:p>
           </p:txBody>
         </p:sp>
-        <p:cxnSp>
-          <p:nvCxnSpPr>
-            <p:cNvPr id="70" name="Elbow Connector 122"/>
-            <p:cNvCxnSpPr>
-              <a:cxnSpLocks/>
-              <a:stCxn id="74" idx="0"/>
-              <a:endCxn id="73" idx="2"/>
-            </p:cNvCxnSpPr>
-            <p:nvPr/>
-          </p:nvCxnSpPr>
-          <p:spPr>
-            <a:xfrm rot="5400000" flipH="1" flipV="1">
-              <a:off x="8042024" y="2992020"/>
-              <a:ext cx="335208" cy="12700"/>
-            </a:xfrm>
-            <a:prstGeom prst="bentConnector3">
-              <a:avLst>
-                <a:gd name="adj1" fmla="val 2391"/>
-              </a:avLst>
-            </a:prstGeom>
-            <a:ln w="19050">
-              <a:prstDash val="sysDot"/>
-              <a:headEnd type="none" w="med" len="med"/>
-              <a:tailEnd type="arrow" w="med" len="med"/>
-            </a:ln>
-            <a:effectLst/>
-          </p:spPr>
-          <p:style>
-            <a:lnRef idx="1">
-              <a:schemeClr val="accent6"/>
-            </a:lnRef>
-            <a:fillRef idx="2">
-              <a:schemeClr val="accent6"/>
-            </a:fillRef>
-            <a:effectRef idx="1">
-              <a:schemeClr val="accent6"/>
-            </a:effectRef>
-            <a:fontRef idx="minor">
-              <a:schemeClr val="dk1"/>
-            </a:fontRef>
-          </p:style>
-        </p:cxnSp>
         <p:sp>
           <p:nvSpPr>
             <p:cNvPr id="73" name="Rectangle 8"/>
@@ -4675,7 +4634,7 @@
           </p:nvSpPr>
           <p:spPr>
             <a:xfrm>
-              <a:off x="7543800" y="2477656"/>
+              <a:off x="6060660" y="5511067"/>
               <a:ext cx="1331655" cy="346760"/>
             </a:xfrm>
             <a:prstGeom prst="rect">
@@ -4723,15 +4682,585 @@
             </a:p>
           </p:txBody>
         </p:sp>
+        <p:cxnSp>
+          <p:nvCxnSpPr>
+            <p:cNvPr id="37" name="Elbow Connector 122">
+              <a:extLst>
+                <a:ext uri="{FF2B5EF4-FFF2-40B4-BE49-F238E27FC236}">
+                  <a16:creationId xmlns:a16="http://schemas.microsoft.com/office/drawing/2014/main" id="{6C6BD4DE-078B-4478-A2A0-BF45F863C92D}"/>
+                </a:ext>
+              </a:extLst>
+            </p:cNvPr>
+            <p:cNvCxnSpPr>
+              <a:cxnSpLocks/>
+              <a:stCxn id="66" idx="2"/>
+              <a:endCxn id="38" idx="0"/>
+            </p:cNvCxnSpPr>
+            <p:nvPr/>
+          </p:nvCxnSpPr>
+          <p:spPr>
+            <a:xfrm rot="5400000">
+              <a:off x="4925862" y="4205124"/>
+              <a:ext cx="296197" cy="1"/>
+            </a:xfrm>
+            <a:prstGeom prst="bentConnector3">
+              <a:avLst>
+                <a:gd name="adj1" fmla="val 50000"/>
+              </a:avLst>
+            </a:prstGeom>
+            <a:ln w="19050">
+              <a:solidFill>
+                <a:schemeClr val="accent6">
+                  <a:lumMod val="75000"/>
+                </a:schemeClr>
+              </a:solidFill>
+              <a:prstDash val="sysDot"/>
+              <a:headEnd type="none" w="med" len="med"/>
+              <a:tailEnd type="arrow" w="med" len="med"/>
+            </a:ln>
+            <a:effectLst/>
+          </p:spPr>
+          <p:style>
+            <a:lnRef idx="1">
+              <a:schemeClr val="accent2"/>
+            </a:lnRef>
+            <a:fillRef idx="2">
+              <a:schemeClr val="accent2"/>
+            </a:fillRef>
+            <a:effectRef idx="1">
+              <a:schemeClr val="accent2"/>
+            </a:effectRef>
+            <a:fontRef idx="minor">
+              <a:schemeClr val="dk1"/>
+            </a:fontRef>
+          </p:style>
+        </p:cxnSp>
         <p:sp>
           <p:nvSpPr>
-            <p:cNvPr id="74" name="Rectangle 8"/>
+            <p:cNvPr id="38" name="Rectangle 8">
+              <a:extLst>
+                <a:ext uri="{FF2B5EF4-FFF2-40B4-BE49-F238E27FC236}">
+                  <a16:creationId xmlns:a16="http://schemas.microsoft.com/office/drawing/2014/main" id="{AF712354-A047-4445-9A49-E11CB796F952}"/>
+                </a:ext>
+              </a:extLst>
+            </p:cNvPr>
             <p:cNvSpPr/>
             <p:nvPr/>
           </p:nvSpPr>
           <p:spPr>
             <a:xfrm>
-              <a:off x="7543800" y="3159624"/>
+              <a:off x="4263031" y="4353223"/>
+              <a:ext cx="1621856" cy="346760"/>
+            </a:xfrm>
+            <a:prstGeom prst="rect">
+              <a:avLst/>
+            </a:prstGeom>
+            <a:ln w="19050"/>
+            <a:effectLst/>
+          </p:spPr>
+          <p:style>
+            <a:lnRef idx="1">
+              <a:schemeClr val="accent6"/>
+            </a:lnRef>
+            <a:fillRef idx="2">
+              <a:schemeClr val="accent6"/>
+            </a:fillRef>
+            <a:effectRef idx="1">
+              <a:schemeClr val="accent6"/>
+            </a:effectRef>
+            <a:fontRef idx="minor">
+              <a:schemeClr val="dk1"/>
+            </a:fontRef>
+          </p:style>
+          <p:txBody>
+            <a:bodyPr rtlCol="0" anchor="ctr"/>
+            <a:lstStyle/>
+            <a:p>
+              <a:pPr algn="ctr"/>
+              <a:r>
+                <a:rPr lang="en-US" sz="1050" b="1" dirty="0" err="1">
+                  <a:solidFill>
+                    <a:schemeClr val="accent6">
+                      <a:lumMod val="75000"/>
+                    </a:schemeClr>
+                  </a:solidFill>
+                </a:rPr>
+                <a:t>JsonSerializable</a:t>
+              </a:r>
+              <a:br>
+                <a:rPr lang="en-US" sz="1050" b="1" dirty="0">
+                  <a:solidFill>
+                    <a:schemeClr val="accent6">
+                      <a:lumMod val="75000"/>
+                    </a:schemeClr>
+                  </a:solidFill>
+                </a:rPr>
+              </a:br>
+              <a:r>
+                <a:rPr lang="en-US" sz="1050" b="1" dirty="0" err="1">
+                  <a:solidFill>
+                    <a:schemeClr val="accent6">
+                      <a:lumMod val="75000"/>
+                    </a:schemeClr>
+                  </a:solidFill>
+                </a:rPr>
+                <a:t>RequirementCategoryList</a:t>
+              </a:r>
+              <a:endParaRPr lang="en-SG" sz="1050" b="1" dirty="0">
+                <a:solidFill>
+                  <a:schemeClr val="accent6">
+                    <a:lumMod val="75000"/>
+                  </a:schemeClr>
+                </a:solidFill>
+              </a:endParaRPr>
+            </a:p>
+          </p:txBody>
+        </p:sp>
+        <p:sp>
+          <p:nvSpPr>
+            <p:cNvPr id="39" name="Rectangle 8">
+              <a:extLst>
+                <a:ext uri="{FF2B5EF4-FFF2-40B4-BE49-F238E27FC236}">
+                  <a16:creationId xmlns:a16="http://schemas.microsoft.com/office/drawing/2014/main" id="{24867C62-854D-4D85-B324-1E7EA74C8742}"/>
+                </a:ext>
+              </a:extLst>
+            </p:cNvPr>
+            <p:cNvSpPr/>
+            <p:nvPr/>
+          </p:nvSpPr>
+          <p:spPr>
+            <a:xfrm>
+              <a:off x="6125470" y="4353222"/>
+              <a:ext cx="1200707" cy="346760"/>
+            </a:xfrm>
+            <a:prstGeom prst="rect">
+              <a:avLst/>
+            </a:prstGeom>
+            <a:ln w="19050"/>
+            <a:effectLst/>
+          </p:spPr>
+          <p:style>
+            <a:lnRef idx="1">
+              <a:schemeClr val="accent6"/>
+            </a:lnRef>
+            <a:fillRef idx="2">
+              <a:schemeClr val="accent6"/>
+            </a:fillRef>
+            <a:effectRef idx="1">
+              <a:schemeClr val="accent6"/>
+            </a:effectRef>
+            <a:fontRef idx="minor">
+              <a:schemeClr val="dk1"/>
+            </a:fontRef>
+          </p:style>
+          <p:txBody>
+            <a:bodyPr rtlCol="0" anchor="ctr"/>
+            <a:lstStyle/>
+            <a:p>
+              <a:pPr algn="ctr"/>
+              <a:r>
+                <a:rPr lang="en-US" sz="1050" b="1" dirty="0" err="1">
+                  <a:solidFill>
+                    <a:schemeClr val="accent6">
+                      <a:lumMod val="75000"/>
+                    </a:schemeClr>
+                  </a:solidFill>
+                </a:rPr>
+                <a:t>JsonSerializable</a:t>
+              </a:r>
+              <a:br>
+                <a:rPr lang="en-US" sz="1050" b="1" dirty="0">
+                  <a:solidFill>
+                    <a:schemeClr val="accent6">
+                      <a:lumMod val="75000"/>
+                    </a:schemeClr>
+                  </a:solidFill>
+                </a:rPr>
+              </a:br>
+              <a:r>
+                <a:rPr lang="en-US" sz="1050" b="1" dirty="0" err="1">
+                  <a:solidFill>
+                    <a:schemeClr val="accent6">
+                      <a:lumMod val="75000"/>
+                    </a:schemeClr>
+                  </a:solidFill>
+                </a:rPr>
+                <a:t>ModuleList</a:t>
+              </a:r>
+              <a:endParaRPr lang="en-SG" sz="1050" b="1" dirty="0">
+                <a:solidFill>
+                  <a:schemeClr val="accent6">
+                    <a:lumMod val="75000"/>
+                  </a:schemeClr>
+                </a:solidFill>
+              </a:endParaRPr>
+            </a:p>
+          </p:txBody>
+        </p:sp>
+        <p:sp>
+          <p:nvSpPr>
+            <p:cNvPr id="40" name="Rectangle 8">
+              <a:extLst>
+                <a:ext uri="{FF2B5EF4-FFF2-40B4-BE49-F238E27FC236}">
+                  <a16:creationId xmlns:a16="http://schemas.microsoft.com/office/drawing/2014/main" id="{62F39C93-A0F1-43E2-8031-64CE109DC333}"/>
+                </a:ext>
+              </a:extLst>
+            </p:cNvPr>
+            <p:cNvSpPr/>
+            <p:nvPr/>
+          </p:nvSpPr>
+          <p:spPr>
+            <a:xfrm>
+              <a:off x="2821741" y="4350002"/>
+              <a:ext cx="1200707" cy="346760"/>
+            </a:xfrm>
+            <a:prstGeom prst="rect">
+              <a:avLst/>
+            </a:prstGeom>
+            <a:ln w="19050"/>
+            <a:effectLst/>
+          </p:spPr>
+          <p:style>
+            <a:lnRef idx="1">
+              <a:schemeClr val="accent6"/>
+            </a:lnRef>
+            <a:fillRef idx="2">
+              <a:schemeClr val="accent6"/>
+            </a:fillRef>
+            <a:effectRef idx="1">
+              <a:schemeClr val="accent6"/>
+            </a:effectRef>
+            <a:fontRef idx="minor">
+              <a:schemeClr val="dk1"/>
+            </a:fontRef>
+          </p:style>
+          <p:txBody>
+            <a:bodyPr rtlCol="0" anchor="ctr"/>
+            <a:lstStyle/>
+            <a:p>
+              <a:pPr algn="ctr"/>
+              <a:r>
+                <a:rPr lang="en-US" sz="1050" b="1" dirty="0" err="1">
+                  <a:solidFill>
+                    <a:schemeClr val="accent6">
+                      <a:lumMod val="75000"/>
+                    </a:schemeClr>
+                  </a:solidFill>
+                </a:rPr>
+                <a:t>JsonSerializable</a:t>
+              </a:r>
+              <a:br>
+                <a:rPr lang="en-US" sz="1050" b="1" dirty="0">
+                  <a:solidFill>
+                    <a:schemeClr val="accent6">
+                      <a:lumMod val="75000"/>
+                    </a:schemeClr>
+                  </a:solidFill>
+                </a:rPr>
+              </a:br>
+              <a:r>
+                <a:rPr lang="en-US" sz="1050" b="1" dirty="0" err="1">
+                  <a:solidFill>
+                    <a:schemeClr val="accent6">
+                      <a:lumMod val="75000"/>
+                    </a:schemeClr>
+                  </a:solidFill>
+                </a:rPr>
+                <a:t>DegreePlannerList</a:t>
+              </a:r>
+              <a:endParaRPr lang="en-SG" sz="1050" b="1" dirty="0">
+                <a:solidFill>
+                  <a:schemeClr val="accent6">
+                    <a:lumMod val="75000"/>
+                  </a:schemeClr>
+                </a:solidFill>
+              </a:endParaRPr>
+            </a:p>
+          </p:txBody>
+        </p:sp>
+        <p:cxnSp>
+          <p:nvCxnSpPr>
+            <p:cNvPr id="43" name="Elbow Connector 122">
+              <a:extLst>
+                <a:ext uri="{FF2B5EF4-FFF2-40B4-BE49-F238E27FC236}">
+                  <a16:creationId xmlns:a16="http://schemas.microsoft.com/office/drawing/2014/main" id="{8594D4BB-BD8F-4379-871A-5BC61B299381}"/>
+                </a:ext>
+              </a:extLst>
+            </p:cNvPr>
+            <p:cNvCxnSpPr>
+              <a:cxnSpLocks/>
+              <a:stCxn id="66" idx="2"/>
+              <a:endCxn id="40" idx="0"/>
+            </p:cNvCxnSpPr>
+            <p:nvPr/>
+          </p:nvCxnSpPr>
+          <p:spPr>
+            <a:xfrm rot="5400000">
+              <a:off x="4101540" y="3377582"/>
+              <a:ext cx="292976" cy="1651865"/>
+            </a:xfrm>
+            <a:prstGeom prst="bentConnector3">
+              <a:avLst>
+                <a:gd name="adj1" fmla="val 50000"/>
+              </a:avLst>
+            </a:prstGeom>
+            <a:ln w="19050">
+              <a:solidFill>
+                <a:schemeClr val="accent6">
+                  <a:lumMod val="75000"/>
+                </a:schemeClr>
+              </a:solidFill>
+              <a:prstDash val="sysDot"/>
+              <a:headEnd type="none" w="med" len="med"/>
+              <a:tailEnd type="arrow" w="med" len="med"/>
+            </a:ln>
+            <a:effectLst/>
+          </p:spPr>
+          <p:style>
+            <a:lnRef idx="1">
+              <a:schemeClr val="accent2"/>
+            </a:lnRef>
+            <a:fillRef idx="2">
+              <a:schemeClr val="accent2"/>
+            </a:fillRef>
+            <a:effectRef idx="1">
+              <a:schemeClr val="accent2"/>
+            </a:effectRef>
+            <a:fontRef idx="minor">
+              <a:schemeClr val="dk1"/>
+            </a:fontRef>
+          </p:style>
+        </p:cxnSp>
+        <p:cxnSp>
+          <p:nvCxnSpPr>
+            <p:cNvPr id="46" name="Elbow Connector 122">
+              <a:extLst>
+                <a:ext uri="{FF2B5EF4-FFF2-40B4-BE49-F238E27FC236}">
+                  <a16:creationId xmlns:a16="http://schemas.microsoft.com/office/drawing/2014/main" id="{DA8DB951-9AC5-4F09-91E1-577DD8AD2FF4}"/>
+                </a:ext>
+              </a:extLst>
+            </p:cNvPr>
+            <p:cNvCxnSpPr>
+              <a:cxnSpLocks/>
+              <a:stCxn id="66" idx="2"/>
+              <a:endCxn id="39" idx="0"/>
+            </p:cNvCxnSpPr>
+            <p:nvPr/>
+          </p:nvCxnSpPr>
+          <p:spPr>
+            <a:xfrm rot="16200000" flipH="1">
+              <a:off x="5751794" y="3379192"/>
+              <a:ext cx="296196" cy="1651864"/>
+            </a:xfrm>
+            <a:prstGeom prst="bentConnector3">
+              <a:avLst>
+                <a:gd name="adj1" fmla="val 50000"/>
+              </a:avLst>
+            </a:prstGeom>
+            <a:ln w="19050">
+              <a:solidFill>
+                <a:schemeClr val="accent6">
+                  <a:lumMod val="75000"/>
+                </a:schemeClr>
+              </a:solidFill>
+              <a:prstDash val="sysDot"/>
+              <a:headEnd type="none" w="med" len="med"/>
+              <a:tailEnd type="arrow" w="med" len="med"/>
+            </a:ln>
+            <a:effectLst/>
+          </p:spPr>
+          <p:style>
+            <a:lnRef idx="1">
+              <a:schemeClr val="accent2"/>
+            </a:lnRef>
+            <a:fillRef idx="2">
+              <a:schemeClr val="accent2"/>
+            </a:fillRef>
+            <a:effectRef idx="1">
+              <a:schemeClr val="accent2"/>
+            </a:effectRef>
+            <a:fontRef idx="minor">
+              <a:schemeClr val="dk1"/>
+            </a:fontRef>
+          </p:style>
+        </p:cxnSp>
+        <p:sp>
+          <p:nvSpPr>
+            <p:cNvPr id="49" name="Rectangle 8">
+              <a:extLst>
+                <a:ext uri="{FF2B5EF4-FFF2-40B4-BE49-F238E27FC236}">
+                  <a16:creationId xmlns:a16="http://schemas.microsoft.com/office/drawing/2014/main" id="{1EE6BF26-A055-4F50-918D-14F1091D7BC7}"/>
+                </a:ext>
+              </a:extLst>
+            </p:cNvPr>
+            <p:cNvSpPr/>
+            <p:nvPr/>
+          </p:nvSpPr>
+          <p:spPr>
+            <a:xfrm>
+              <a:off x="2827492" y="4870821"/>
+              <a:ext cx="1200707" cy="346760"/>
+            </a:xfrm>
+            <a:prstGeom prst="rect">
+              <a:avLst/>
+            </a:prstGeom>
+            <a:ln w="19050"/>
+            <a:effectLst/>
+          </p:spPr>
+          <p:style>
+            <a:lnRef idx="1">
+              <a:schemeClr val="accent6"/>
+            </a:lnRef>
+            <a:fillRef idx="2">
+              <a:schemeClr val="accent6"/>
+            </a:fillRef>
+            <a:effectRef idx="1">
+              <a:schemeClr val="accent6"/>
+            </a:effectRef>
+            <a:fontRef idx="minor">
+              <a:schemeClr val="dk1"/>
+            </a:fontRef>
+          </p:style>
+          <p:txBody>
+            <a:bodyPr rtlCol="0" anchor="ctr"/>
+            <a:lstStyle/>
+            <a:p>
+              <a:pPr algn="ctr"/>
+              <a:r>
+                <a:rPr lang="en-US" sz="1050" b="1" dirty="0" err="1">
+                  <a:solidFill>
+                    <a:schemeClr val="accent6">
+                      <a:lumMod val="75000"/>
+                    </a:schemeClr>
+                  </a:solidFill>
+                </a:rPr>
+                <a:t>JsonAdapted</a:t>
+              </a:r>
+              <a:br>
+                <a:rPr lang="en-US" sz="1050" b="1" dirty="0">
+                  <a:solidFill>
+                    <a:schemeClr val="accent6">
+                      <a:lumMod val="75000"/>
+                    </a:schemeClr>
+                  </a:solidFill>
+                </a:rPr>
+              </a:br>
+              <a:r>
+                <a:rPr lang="en-US" sz="1050" b="1" dirty="0" err="1">
+                  <a:solidFill>
+                    <a:schemeClr val="accent6">
+                      <a:lumMod val="75000"/>
+                    </a:schemeClr>
+                  </a:solidFill>
+                </a:rPr>
+                <a:t>DegreePlanner</a:t>
+              </a:r>
+              <a:endParaRPr lang="en-SG" sz="1050" b="1" dirty="0">
+                <a:solidFill>
+                  <a:schemeClr val="accent6">
+                    <a:lumMod val="75000"/>
+                  </a:schemeClr>
+                </a:solidFill>
+              </a:endParaRPr>
+            </a:p>
+          </p:txBody>
+        </p:sp>
+        <p:sp>
+          <p:nvSpPr>
+            <p:cNvPr id="51" name="Rectangle 8">
+              <a:extLst>
+                <a:ext uri="{FF2B5EF4-FFF2-40B4-BE49-F238E27FC236}">
+                  <a16:creationId xmlns:a16="http://schemas.microsoft.com/office/drawing/2014/main" id="{E29B6698-1D0F-4750-BD03-ACC5B240E399}"/>
+                </a:ext>
+              </a:extLst>
+            </p:cNvPr>
+            <p:cNvSpPr/>
+            <p:nvPr/>
+          </p:nvSpPr>
+          <p:spPr>
+            <a:xfrm>
+              <a:off x="4476367" y="4870821"/>
+              <a:ext cx="1200707" cy="346760"/>
+            </a:xfrm>
+            <a:prstGeom prst="rect">
+              <a:avLst/>
+            </a:prstGeom>
+            <a:ln w="19050"/>
+            <a:effectLst/>
+          </p:spPr>
+          <p:style>
+            <a:lnRef idx="1">
+              <a:schemeClr val="accent6"/>
+            </a:lnRef>
+            <a:fillRef idx="2">
+              <a:schemeClr val="accent6"/>
+            </a:fillRef>
+            <a:effectRef idx="1">
+              <a:schemeClr val="accent6"/>
+            </a:effectRef>
+            <a:fontRef idx="minor">
+              <a:schemeClr val="dk1"/>
+            </a:fontRef>
+          </p:style>
+          <p:txBody>
+            <a:bodyPr rtlCol="0" anchor="ctr"/>
+            <a:lstStyle/>
+            <a:p>
+              <a:pPr algn="ctr"/>
+              <a:r>
+                <a:rPr lang="en-US" sz="1050" b="1" dirty="0" err="1">
+                  <a:solidFill>
+                    <a:schemeClr val="accent6">
+                      <a:lumMod val="75000"/>
+                    </a:schemeClr>
+                  </a:solidFill>
+                </a:rPr>
+                <a:t>JsonAdapted</a:t>
+              </a:r>
+              <a:br>
+                <a:rPr lang="en-US" sz="1050" b="1" dirty="0">
+                  <a:solidFill>
+                    <a:schemeClr val="accent6">
+                      <a:lumMod val="75000"/>
+                    </a:schemeClr>
+                  </a:solidFill>
+                </a:rPr>
+              </a:br>
+              <a:r>
+                <a:rPr lang="en-US" sz="1050" b="1" dirty="0" err="1">
+                  <a:solidFill>
+                    <a:schemeClr val="accent6">
+                      <a:lumMod val="75000"/>
+                    </a:schemeClr>
+                  </a:solidFill>
+                </a:rPr>
+                <a:t>RequirementList</a:t>
+              </a:r>
+              <a:endParaRPr lang="en-SG" sz="1050" b="1" dirty="0">
+                <a:solidFill>
+                  <a:schemeClr val="accent6">
+                    <a:lumMod val="75000"/>
+                  </a:schemeClr>
+                </a:solidFill>
+              </a:endParaRPr>
+            </a:p>
+          </p:txBody>
+        </p:sp>
+        <p:sp>
+          <p:nvSpPr>
+            <p:cNvPr id="55" name="Rectangle 8">
+              <a:extLst>
+                <a:ext uri="{FF2B5EF4-FFF2-40B4-BE49-F238E27FC236}">
+                  <a16:creationId xmlns:a16="http://schemas.microsoft.com/office/drawing/2014/main" id="{46D0CB68-F420-458B-BED9-15DB056FEBC7}"/>
+                </a:ext>
+              </a:extLst>
+            </p:cNvPr>
+            <p:cNvSpPr/>
+            <p:nvPr/>
+          </p:nvSpPr>
+          <p:spPr>
+            <a:xfrm>
+              <a:off x="6054909" y="4862873"/>
               <a:ext cx="1331656" cy="346760"/>
             </a:xfrm>
             <a:prstGeom prst="rect">
@@ -4781,18 +5310,24 @@
         </p:sp>
         <p:cxnSp>
           <p:nvCxnSpPr>
-            <p:cNvPr id="77" name="Elbow Connector 122"/>
+            <p:cNvPr id="57" name="Elbow Connector 122">
+              <a:extLst>
+                <a:ext uri="{FF2B5EF4-FFF2-40B4-BE49-F238E27FC236}">
+                  <a16:creationId xmlns:a16="http://schemas.microsoft.com/office/drawing/2014/main" id="{819F60E2-ADB0-4159-92FC-FC45338654CE}"/>
+                </a:ext>
+              </a:extLst>
+            </p:cNvPr>
             <p:cNvCxnSpPr>
               <a:cxnSpLocks/>
-              <a:stCxn id="66" idx="3"/>
-              <a:endCxn id="74" idx="1"/>
+              <a:stCxn id="39" idx="2"/>
+              <a:endCxn id="55" idx="0"/>
             </p:cNvCxnSpPr>
             <p:nvPr/>
           </p:nvCxnSpPr>
           <p:spPr>
-            <a:xfrm flipV="1">
-              <a:off x="7220507" y="3333004"/>
-              <a:ext cx="323293" cy="786"/>
+            <a:xfrm rot="5400000">
+              <a:off x="6641836" y="4778884"/>
+              <a:ext cx="162891" cy="5087"/>
             </a:xfrm>
             <a:prstGeom prst="bentConnector3">
               <a:avLst>
@@ -4800,10 +5335,159 @@
               </a:avLst>
             </a:prstGeom>
             <a:ln w="19050">
+              <a:solidFill>
+                <a:schemeClr val="accent6">
+                  <a:lumMod val="75000"/>
+                </a:schemeClr>
+              </a:solidFill>
               <a:prstDash val="sysDot"/>
               <a:headEnd type="none" w="med" len="med"/>
               <a:tailEnd type="arrow" w="med" len="med"/>
             </a:ln>
+            <a:effectLst/>
+          </p:spPr>
+          <p:style>
+            <a:lnRef idx="1">
+              <a:schemeClr val="accent2"/>
+            </a:lnRef>
+            <a:fillRef idx="2">
+              <a:schemeClr val="accent2"/>
+            </a:fillRef>
+            <a:effectRef idx="1">
+              <a:schemeClr val="accent2"/>
+            </a:effectRef>
+            <a:fontRef idx="minor">
+              <a:schemeClr val="dk1"/>
+            </a:fontRef>
+          </p:style>
+        </p:cxnSp>
+        <p:cxnSp>
+          <p:nvCxnSpPr>
+            <p:cNvPr id="59" name="Elbow Connector 122">
+              <a:extLst>
+                <a:ext uri="{FF2B5EF4-FFF2-40B4-BE49-F238E27FC236}">
+                  <a16:creationId xmlns:a16="http://schemas.microsoft.com/office/drawing/2014/main" id="{497685BC-3EB0-488D-8BF4-255CC76E950F}"/>
+                </a:ext>
+              </a:extLst>
+            </p:cNvPr>
+            <p:cNvCxnSpPr>
+              <a:cxnSpLocks/>
+              <a:stCxn id="38" idx="2"/>
+              <a:endCxn id="51" idx="0"/>
+            </p:cNvCxnSpPr>
+            <p:nvPr/>
+          </p:nvCxnSpPr>
+          <p:spPr>
+            <a:xfrm rot="16200000" flipH="1">
+              <a:off x="4989921" y="4784021"/>
+              <a:ext cx="170838" cy="2762"/>
+            </a:xfrm>
+            <a:prstGeom prst="bentConnector3">
+              <a:avLst>
+                <a:gd name="adj1" fmla="val 50000"/>
+              </a:avLst>
+            </a:prstGeom>
+            <a:ln w="19050">
+              <a:solidFill>
+                <a:schemeClr val="accent6">
+                  <a:lumMod val="75000"/>
+                </a:schemeClr>
+              </a:solidFill>
+              <a:prstDash val="sysDot"/>
+              <a:headEnd type="none" w="med" len="med"/>
+              <a:tailEnd type="arrow" w="med" len="med"/>
+            </a:ln>
+            <a:effectLst/>
+          </p:spPr>
+          <p:style>
+            <a:lnRef idx="1">
+              <a:schemeClr val="accent2"/>
+            </a:lnRef>
+            <a:fillRef idx="2">
+              <a:schemeClr val="accent2"/>
+            </a:fillRef>
+            <a:effectRef idx="1">
+              <a:schemeClr val="accent2"/>
+            </a:effectRef>
+            <a:fontRef idx="minor">
+              <a:schemeClr val="dk1"/>
+            </a:fontRef>
+          </p:style>
+        </p:cxnSp>
+        <p:cxnSp>
+          <p:nvCxnSpPr>
+            <p:cNvPr id="62" name="Elbow Connector 122">
+              <a:extLst>
+                <a:ext uri="{FF2B5EF4-FFF2-40B4-BE49-F238E27FC236}">
+                  <a16:creationId xmlns:a16="http://schemas.microsoft.com/office/drawing/2014/main" id="{05E1C576-4CF8-4F2D-9E18-E6F7C31A0421}"/>
+                </a:ext>
+              </a:extLst>
+            </p:cNvPr>
+            <p:cNvCxnSpPr>
+              <a:cxnSpLocks/>
+              <a:stCxn id="40" idx="2"/>
+              <a:endCxn id="49" idx="0"/>
+            </p:cNvCxnSpPr>
+            <p:nvPr/>
+          </p:nvCxnSpPr>
+          <p:spPr>
+            <a:xfrm rot="16200000" flipH="1">
+              <a:off x="3337941" y="4780915"/>
+              <a:ext cx="174059" cy="5751"/>
+            </a:xfrm>
+            <a:prstGeom prst="bentConnector3">
+              <a:avLst>
+                <a:gd name="adj1" fmla="val 50000"/>
+              </a:avLst>
+            </a:prstGeom>
+            <a:ln w="19050">
+              <a:solidFill>
+                <a:schemeClr val="accent6">
+                  <a:lumMod val="75000"/>
+                </a:schemeClr>
+              </a:solidFill>
+              <a:prstDash val="sysDot"/>
+              <a:headEnd type="none" w="med" len="med"/>
+              <a:tailEnd type="arrow" w="med" len="med"/>
+            </a:ln>
+            <a:effectLst/>
+          </p:spPr>
+          <p:style>
+            <a:lnRef idx="1">
+              <a:schemeClr val="accent2"/>
+            </a:lnRef>
+            <a:fillRef idx="2">
+              <a:schemeClr val="accent2"/>
+            </a:fillRef>
+            <a:effectRef idx="1">
+              <a:schemeClr val="accent2"/>
+            </a:effectRef>
+            <a:fontRef idx="minor">
+              <a:schemeClr val="dk1"/>
+            </a:fontRef>
+          </p:style>
+        </p:cxnSp>
+        <p:sp>
+          <p:nvSpPr>
+            <p:cNvPr id="84" name="Rectangle 8">
+              <a:extLst>
+                <a:ext uri="{FF2B5EF4-FFF2-40B4-BE49-F238E27FC236}">
+                  <a16:creationId xmlns:a16="http://schemas.microsoft.com/office/drawing/2014/main" id="{E37B3C1D-5BD0-47F7-89C9-1E681F13184E}"/>
+                </a:ext>
+              </a:extLst>
+            </p:cNvPr>
+            <p:cNvSpPr/>
+            <p:nvPr/>
+          </p:nvSpPr>
+          <p:spPr>
+            <a:xfrm>
+              <a:off x="4413002" y="5511067"/>
+              <a:ext cx="1331655" cy="346760"/>
+            </a:xfrm>
+            <a:prstGeom prst="rect">
+              <a:avLst/>
+            </a:prstGeom>
+            <a:ln w="19050"/>
             <a:effectLst/>
           </p:spPr>
           <p:style>
@@ -4815,6 +5499,240 @@
             </a:fillRef>
             <a:effectRef idx="1">
               <a:schemeClr val="accent6"/>
+            </a:effectRef>
+            <a:fontRef idx="minor">
+              <a:schemeClr val="dk1"/>
+            </a:fontRef>
+          </p:style>
+          <p:txBody>
+            <a:bodyPr rtlCol="0" anchor="ctr"/>
+            <a:lstStyle/>
+            <a:p>
+              <a:pPr algn="ctr"/>
+              <a:r>
+                <a:rPr lang="en-US" sz="1050" b="1" dirty="0" err="1">
+                  <a:solidFill>
+                    <a:schemeClr val="accent6">
+                      <a:lumMod val="75000"/>
+                    </a:schemeClr>
+                  </a:solidFill>
+                </a:rPr>
+                <a:t>JsonAdaptedCode</a:t>
+              </a:r>
+              <a:endParaRPr lang="en-SG" sz="1050" b="1" dirty="0">
+                <a:solidFill>
+                  <a:schemeClr val="accent6">
+                    <a:lumMod val="75000"/>
+                  </a:schemeClr>
+                </a:solidFill>
+              </a:endParaRPr>
+            </a:p>
+          </p:txBody>
+        </p:sp>
+        <p:cxnSp>
+          <p:nvCxnSpPr>
+            <p:cNvPr id="85" name="Elbow Connector 122">
+              <a:extLst>
+                <a:ext uri="{FF2B5EF4-FFF2-40B4-BE49-F238E27FC236}">
+                  <a16:creationId xmlns:a16="http://schemas.microsoft.com/office/drawing/2014/main" id="{9991B445-9091-456C-83A5-57D816B77127}"/>
+                </a:ext>
+              </a:extLst>
+            </p:cNvPr>
+            <p:cNvCxnSpPr>
+              <a:cxnSpLocks/>
+              <a:stCxn id="51" idx="2"/>
+              <a:endCxn id="84" idx="0"/>
+            </p:cNvCxnSpPr>
+            <p:nvPr/>
+          </p:nvCxnSpPr>
+          <p:spPr>
+            <a:xfrm rot="16200000" flipH="1">
+              <a:off x="4931032" y="5363269"/>
+              <a:ext cx="293486" cy="2109"/>
+            </a:xfrm>
+            <a:prstGeom prst="bentConnector3">
+              <a:avLst>
+                <a:gd name="adj1" fmla="val 50000"/>
+              </a:avLst>
+            </a:prstGeom>
+            <a:ln w="19050">
+              <a:solidFill>
+                <a:schemeClr val="accent6">
+                  <a:lumMod val="75000"/>
+                </a:schemeClr>
+              </a:solidFill>
+              <a:prstDash val="sysDot"/>
+              <a:headEnd type="none" w="med" len="med"/>
+              <a:tailEnd type="arrow" w="med" len="med"/>
+            </a:ln>
+            <a:effectLst/>
+          </p:spPr>
+          <p:style>
+            <a:lnRef idx="1">
+              <a:schemeClr val="accent2"/>
+            </a:lnRef>
+            <a:fillRef idx="2">
+              <a:schemeClr val="accent2"/>
+            </a:fillRef>
+            <a:effectRef idx="1">
+              <a:schemeClr val="accent2"/>
+            </a:effectRef>
+            <a:fontRef idx="minor">
+              <a:schemeClr val="dk1"/>
+            </a:fontRef>
+          </p:style>
+        </p:cxnSp>
+        <p:cxnSp>
+          <p:nvCxnSpPr>
+            <p:cNvPr id="88" name="Elbow Connector 122">
+              <a:extLst>
+                <a:ext uri="{FF2B5EF4-FFF2-40B4-BE49-F238E27FC236}">
+                  <a16:creationId xmlns:a16="http://schemas.microsoft.com/office/drawing/2014/main" id="{C6373681-9F7C-40C9-A415-CF7E05083F3F}"/>
+                </a:ext>
+              </a:extLst>
+            </p:cNvPr>
+            <p:cNvCxnSpPr>
+              <a:cxnSpLocks/>
+              <a:stCxn id="49" idx="2"/>
+              <a:endCxn id="84" idx="1"/>
+            </p:cNvCxnSpPr>
+            <p:nvPr/>
+          </p:nvCxnSpPr>
+          <p:spPr>
+            <a:xfrm rot="16200000" flipH="1">
+              <a:off x="3686991" y="4958436"/>
+              <a:ext cx="466866" cy="985156"/>
+            </a:xfrm>
+            <a:prstGeom prst="bentConnector2">
+              <a:avLst/>
+            </a:prstGeom>
+            <a:ln w="19050">
+              <a:solidFill>
+                <a:schemeClr val="accent6">
+                  <a:lumMod val="75000"/>
+                </a:schemeClr>
+              </a:solidFill>
+              <a:prstDash val="sysDot"/>
+              <a:headEnd type="none" w="med" len="med"/>
+              <a:tailEnd type="arrow" w="med" len="med"/>
+            </a:ln>
+            <a:effectLst/>
+          </p:spPr>
+          <p:style>
+            <a:lnRef idx="1">
+              <a:schemeClr val="accent2"/>
+            </a:lnRef>
+            <a:fillRef idx="2">
+              <a:schemeClr val="accent2"/>
+            </a:fillRef>
+            <a:effectRef idx="1">
+              <a:schemeClr val="accent2"/>
+            </a:effectRef>
+            <a:fontRef idx="minor">
+              <a:schemeClr val="dk1"/>
+            </a:fontRef>
+          </p:style>
+        </p:cxnSp>
+        <p:cxnSp>
+          <p:nvCxnSpPr>
+            <p:cNvPr id="91" name="Elbow Connector 122">
+              <a:extLst>
+                <a:ext uri="{FF2B5EF4-FFF2-40B4-BE49-F238E27FC236}">
+                  <a16:creationId xmlns:a16="http://schemas.microsoft.com/office/drawing/2014/main" id="{7C266A05-812F-49C9-B251-38C1B1C0751D}"/>
+                </a:ext>
+              </a:extLst>
+            </p:cNvPr>
+            <p:cNvCxnSpPr>
+              <a:cxnSpLocks/>
+              <a:stCxn id="55" idx="1"/>
+              <a:endCxn id="84" idx="3"/>
+            </p:cNvCxnSpPr>
+            <p:nvPr/>
+          </p:nvCxnSpPr>
+          <p:spPr>
+            <a:xfrm rot="10800000" flipV="1">
+              <a:off x="5744657" y="5036253"/>
+              <a:ext cx="310252" cy="648194"/>
+            </a:xfrm>
+            <a:prstGeom prst="bentConnector3">
+              <a:avLst>
+                <a:gd name="adj1" fmla="val 50000"/>
+              </a:avLst>
+            </a:prstGeom>
+            <a:ln w="19050">
+              <a:solidFill>
+                <a:schemeClr val="accent6">
+                  <a:lumMod val="75000"/>
+                </a:schemeClr>
+              </a:solidFill>
+              <a:prstDash val="sysDot"/>
+              <a:headEnd type="none" w="med" len="med"/>
+              <a:tailEnd type="arrow" w="med" len="med"/>
+            </a:ln>
+            <a:effectLst/>
+          </p:spPr>
+          <p:style>
+            <a:lnRef idx="1">
+              <a:schemeClr val="accent2"/>
+            </a:lnRef>
+            <a:fillRef idx="2">
+              <a:schemeClr val="accent2"/>
+            </a:fillRef>
+            <a:effectRef idx="1">
+              <a:schemeClr val="accent2"/>
+            </a:effectRef>
+            <a:fontRef idx="minor">
+              <a:schemeClr val="dk1"/>
+            </a:fontRef>
+          </p:style>
+        </p:cxnSp>
+        <p:cxnSp>
+          <p:nvCxnSpPr>
+            <p:cNvPr id="94" name="Elbow Connector 122">
+              <a:extLst>
+                <a:ext uri="{FF2B5EF4-FFF2-40B4-BE49-F238E27FC236}">
+                  <a16:creationId xmlns:a16="http://schemas.microsoft.com/office/drawing/2014/main" id="{E9CF500D-0F3F-419C-A880-F8CAC840BE7F}"/>
+                </a:ext>
+              </a:extLst>
+            </p:cNvPr>
+            <p:cNvCxnSpPr>
+              <a:cxnSpLocks/>
+              <a:stCxn id="55" idx="2"/>
+              <a:endCxn id="73" idx="0"/>
+            </p:cNvCxnSpPr>
+            <p:nvPr/>
+          </p:nvCxnSpPr>
+          <p:spPr>
+            <a:xfrm rot="16200000" flipH="1">
+              <a:off x="6572895" y="5357474"/>
+              <a:ext cx="301434" cy="5751"/>
+            </a:xfrm>
+            <a:prstGeom prst="bentConnector3">
+              <a:avLst>
+                <a:gd name="adj1" fmla="val 50000"/>
+              </a:avLst>
+            </a:prstGeom>
+            <a:ln w="19050">
+              <a:solidFill>
+                <a:schemeClr val="accent6">
+                  <a:lumMod val="75000"/>
+                </a:schemeClr>
+              </a:solidFill>
+              <a:prstDash val="sysDot"/>
+              <a:headEnd type="none" w="med" len="med"/>
+              <a:tailEnd type="arrow" w="med" len="med"/>
+            </a:ln>
+            <a:effectLst/>
+          </p:spPr>
+          <p:style>
+            <a:lnRef idx="1">
+              <a:schemeClr val="accent2"/>
+            </a:lnRef>
+            <a:fillRef idx="2">
+              <a:schemeClr val="accent2"/>
+            </a:fillRef>
+            <a:effectRef idx="1">
+              <a:schemeClr val="accent2"/>
             </a:effectRef>
             <a:fontRef idx="minor">
               <a:schemeClr val="dk1"/>
